--- a/prezentare XPROTECT.pptx
+++ b/prezentare XPROTECT.pptx
@@ -304,7 +304,7 @@
           <a:p>
             <a:fld id="{CEC54D0F-B575-48AE-890D-3D0DEECA2063}" type="datetimeFigureOut">
               <a:rPr lang="en-US" smtClean="0"/>
-              <a:t>25-Jan-22</a:t>
+              <a:t>1/27/2022</a:t>
             </a:fld>
             <a:endParaRPr lang="en-US"/>
           </a:p>
@@ -579,7 +579,7 @@
           <a:p>
             <a:fld id="{CEC54D0F-B575-48AE-890D-3D0DEECA2063}" type="datetimeFigureOut">
               <a:rPr lang="en-US" smtClean="0"/>
-              <a:t>25-Jan-22</a:t>
+              <a:t>1/27/2022</a:t>
             </a:fld>
             <a:endParaRPr lang="en-US"/>
           </a:p>
@@ -773,7 +773,7 @@
           <a:p>
             <a:fld id="{CEC54D0F-B575-48AE-890D-3D0DEECA2063}" type="datetimeFigureOut">
               <a:rPr lang="en-US" smtClean="0"/>
-              <a:t>25-Jan-22</a:t>
+              <a:t>1/27/2022</a:t>
             </a:fld>
             <a:endParaRPr lang="en-US"/>
           </a:p>
@@ -1046,7 +1046,7 @@
           <a:p>
             <a:fld id="{CEC54D0F-B575-48AE-890D-3D0DEECA2063}" type="datetimeFigureOut">
               <a:rPr lang="en-US" smtClean="0"/>
-              <a:t>25-Jan-22</a:t>
+              <a:t>1/27/2022</a:t>
             </a:fld>
             <a:endParaRPr lang="en-US"/>
           </a:p>
@@ -1387,7 +1387,7 @@
           <a:p>
             <a:fld id="{CEC54D0F-B575-48AE-890D-3D0DEECA2063}" type="datetimeFigureOut">
               <a:rPr lang="en-US" smtClean="0"/>
-              <a:t>25-Jan-22</a:t>
+              <a:t>1/27/2022</a:t>
             </a:fld>
             <a:endParaRPr lang="en-US"/>
           </a:p>
@@ -2010,7 +2010,7 @@
           <a:p>
             <a:fld id="{CEC54D0F-B575-48AE-890D-3D0DEECA2063}" type="datetimeFigureOut">
               <a:rPr lang="en-US" smtClean="0"/>
-              <a:t>25-Jan-22</a:t>
+              <a:t>1/27/2022</a:t>
             </a:fld>
             <a:endParaRPr lang="en-US"/>
           </a:p>
@@ -2870,7 +2870,7 @@
           <a:p>
             <a:fld id="{CEC54D0F-B575-48AE-890D-3D0DEECA2063}" type="datetimeFigureOut">
               <a:rPr lang="en-US" smtClean="0"/>
-              <a:t>25-Jan-22</a:t>
+              <a:t>1/27/2022</a:t>
             </a:fld>
             <a:endParaRPr lang="en-US"/>
           </a:p>
@@ -3040,7 +3040,7 @@
           <a:p>
             <a:fld id="{CEC54D0F-B575-48AE-890D-3D0DEECA2063}" type="datetimeFigureOut">
               <a:rPr lang="en-US" smtClean="0"/>
-              <a:t>25-Jan-22</a:t>
+              <a:t>1/27/2022</a:t>
             </a:fld>
             <a:endParaRPr lang="en-US"/>
           </a:p>
@@ -3220,7 +3220,7 @@
           <a:p>
             <a:fld id="{CEC54D0F-B575-48AE-890D-3D0DEECA2063}" type="datetimeFigureOut">
               <a:rPr lang="en-US" smtClean="0"/>
-              <a:t>25-Jan-22</a:t>
+              <a:t>1/27/2022</a:t>
             </a:fld>
             <a:endParaRPr lang="en-US"/>
           </a:p>
@@ -3390,7 +3390,7 @@
           <a:p>
             <a:fld id="{CEC54D0F-B575-48AE-890D-3D0DEECA2063}" type="datetimeFigureOut">
               <a:rPr lang="en-US" smtClean="0"/>
-              <a:t>25-Jan-22</a:t>
+              <a:t>1/27/2022</a:t>
             </a:fld>
             <a:endParaRPr lang="en-US"/>
           </a:p>
@@ -3637,7 +3637,7 @@
           <a:p>
             <a:fld id="{CEC54D0F-B575-48AE-890D-3D0DEECA2063}" type="datetimeFigureOut">
               <a:rPr lang="en-US" smtClean="0"/>
-              <a:t>25-Jan-22</a:t>
+              <a:t>1/27/2022</a:t>
             </a:fld>
             <a:endParaRPr lang="en-US"/>
           </a:p>
@@ -3929,7 +3929,7 @@
           <a:p>
             <a:fld id="{CEC54D0F-B575-48AE-890D-3D0DEECA2063}" type="datetimeFigureOut">
               <a:rPr lang="en-US" smtClean="0"/>
-              <a:t>25-Jan-22</a:t>
+              <a:t>1/27/2022</a:t>
             </a:fld>
             <a:endParaRPr lang="en-US"/>
           </a:p>
@@ -4373,7 +4373,7 @@
           <a:p>
             <a:fld id="{CEC54D0F-B575-48AE-890D-3D0DEECA2063}" type="datetimeFigureOut">
               <a:rPr lang="en-US" smtClean="0"/>
-              <a:t>25-Jan-22</a:t>
+              <a:t>1/27/2022</a:t>
             </a:fld>
             <a:endParaRPr lang="en-US"/>
           </a:p>
@@ -4491,7 +4491,7 @@
           <a:p>
             <a:fld id="{CEC54D0F-B575-48AE-890D-3D0DEECA2063}" type="datetimeFigureOut">
               <a:rPr lang="en-US" smtClean="0"/>
-              <a:t>25-Jan-22</a:t>
+              <a:t>1/27/2022</a:t>
             </a:fld>
             <a:endParaRPr lang="en-US"/>
           </a:p>
@@ -4586,7 +4586,7 @@
           <a:p>
             <a:fld id="{CEC54D0F-B575-48AE-890D-3D0DEECA2063}" type="datetimeFigureOut">
               <a:rPr lang="en-US" smtClean="0"/>
-              <a:t>25-Jan-22</a:t>
+              <a:t>1/27/2022</a:t>
             </a:fld>
             <a:endParaRPr lang="en-US"/>
           </a:p>
@@ -4865,7 +4865,7 @@
           <a:p>
             <a:fld id="{CEC54D0F-B575-48AE-890D-3D0DEECA2063}" type="datetimeFigureOut">
               <a:rPr lang="en-US" smtClean="0"/>
-              <a:t>25-Jan-22</a:t>
+              <a:t>1/27/2022</a:t>
             </a:fld>
             <a:endParaRPr lang="en-US"/>
           </a:p>
@@ -5140,7 +5140,7 @@
           <a:p>
             <a:fld id="{CEC54D0F-B575-48AE-890D-3D0DEECA2063}" type="datetimeFigureOut">
               <a:rPr lang="en-US" smtClean="0"/>
-              <a:t>25-Jan-22</a:t>
+              <a:t>1/27/2022</a:t>
             </a:fld>
             <a:endParaRPr lang="en-US"/>
           </a:p>
@@ -5569,7 +5569,7 @@
           <a:p>
             <a:fld id="{CEC54D0F-B575-48AE-890D-3D0DEECA2063}" type="datetimeFigureOut">
               <a:rPr lang="en-US" smtClean="0"/>
-              <a:t>25-Jan-22</a:t>
+              <a:t>1/27/2022</a:t>
             </a:fld>
             <a:endParaRPr lang="en-US"/>
           </a:p>
@@ -6158,11 +6158,7 @@
             <a:pPr algn="ctr"/>
             <a:r>
               <a:rPr lang="en-US" sz="3200" dirty="0"/>
-              <a:t>Milestone </a:t>
-            </a:r>
-            <a:r>
-              <a:rPr lang="en-US" sz="3200" dirty="0" err="1"/>
-              <a:t>Xprotect</a:t>
+              <a:t>Milestone XProtect</a:t>
             </a:r>
             <a:br>
               <a:rPr lang="en-US" sz="3200" dirty="0"/>
@@ -6218,8 +6214,8 @@
         </p:nvSpPr>
         <p:spPr>
           <a:xfrm>
-            <a:off x="622169" y="795720"/>
-            <a:ext cx="10473180" cy="1200329"/>
+            <a:off x="177282" y="795720"/>
+            <a:ext cx="10918067" cy="1200329"/>
           </a:xfrm>
           <a:prstGeom prst="rect">
             <a:avLst/>
@@ -6233,182 +6229,250 @@
           <a:lstStyle/>
           <a:p>
             <a:r>
-              <a:rPr lang="en-US" dirty="0"/>
-              <a:t>XProtect </a:t>
-            </a:r>
-            <a:r>
-              <a:rPr lang="en-US" dirty="0" err="1"/>
+              <a:rPr lang="rm-CH" dirty="0" err="1"/>
+              <a:t>XProtect</a:t>
+            </a:r>
+            <a:r>
+              <a:rPr lang="rm-CH" dirty="0"/>
+              <a:t> </a:t>
+            </a:r>
+            <a:r>
+              <a:rPr lang="rm-CH" dirty="0" err="1"/>
               <a:t>este</a:t>
             </a:r>
             <a:r>
-              <a:rPr lang="en-US" dirty="0"/>
-              <a:t> un </a:t>
-            </a:r>
-            <a:r>
-              <a:rPr lang="en-US" dirty="0" err="1"/>
-              <a:t>sistem</a:t>
-            </a:r>
-            <a:r>
-              <a:rPr lang="en-US" dirty="0"/>
-              <a:t> software care </a:t>
-            </a:r>
-            <a:r>
-              <a:rPr lang="en-US" dirty="0" err="1"/>
+              <a:rPr lang="rm-CH" dirty="0"/>
+              <a:t> </a:t>
+            </a:r>
+            <a:r>
+              <a:rPr lang="rm-CH" dirty="0" err="1"/>
+              <a:t>un</a:t>
+            </a:r>
+            <a:r>
+              <a:rPr lang="rm-CH" dirty="0"/>
+              <a:t> sistem software </a:t>
+            </a:r>
+            <a:r>
+              <a:rPr lang="rm-CH" dirty="0" err="1"/>
+              <a:t>premium</a:t>
+            </a:r>
+            <a:r>
+              <a:rPr lang="rm-CH" dirty="0"/>
+              <a:t> </a:t>
+            </a:r>
+            <a:r>
+              <a:rPr lang="rm-CH" dirty="0" err="1"/>
+              <a:t>care</a:t>
+            </a:r>
+            <a:r>
+              <a:rPr lang="rm-CH" dirty="0"/>
+              <a:t> </a:t>
+            </a:r>
+            <a:r>
+              <a:rPr lang="rm-CH" dirty="0" err="1"/>
               <a:t>permite</a:t>
             </a:r>
             <a:r>
-              <a:rPr lang="en-US" dirty="0"/>
+              <a:rPr lang="rm-CH" dirty="0"/>
               <a:t> </a:t>
             </a:r>
             <a:r>
-              <a:rPr lang="en-US" dirty="0" err="1"/>
+              <a:rPr lang="rm-CH" dirty="0" err="1"/>
               <a:t>integrarea</a:t>
             </a:r>
             <a:r>
-              <a:rPr lang="en-US" dirty="0"/>
+              <a:rPr lang="rm-CH" dirty="0"/>
+              <a:t> mai </a:t>
+            </a:r>
+            <a:r>
+              <a:rPr lang="rm-CH" dirty="0" err="1"/>
+              <a:t>multor</a:t>
+            </a:r>
+            <a:r>
+              <a:rPr lang="rm-CH" dirty="0"/>
               <a:t> </a:t>
             </a:r>
             <a:r>
-              <a:rPr lang="en-US" dirty="0" err="1"/>
-              <a:t>mai</a:t>
-            </a:r>
-            <a:r>
-              <a:rPr lang="en-US" dirty="0"/>
+              <a:rPr lang="rm-CH" dirty="0" err="1"/>
+              <a:t>periferice</a:t>
+            </a:r>
+            <a:r>
+              <a:rPr lang="rm-CH" dirty="0"/>
+              <a:t>, </a:t>
+            </a:r>
+            <a:r>
+              <a:rPr lang="rm-CH" dirty="0" err="1"/>
+              <a:t>care</a:t>
+            </a:r>
+            <a:r>
+              <a:rPr lang="rm-CH" dirty="0"/>
+              <a:t> pot </a:t>
+            </a:r>
+            <a:r>
+              <a:rPr lang="rm-CH" dirty="0" err="1"/>
+              <a:t>proveni</a:t>
+            </a:r>
+            <a:r>
+              <a:rPr lang="rm-CH" dirty="0"/>
+              <a:t> de la mai multi </a:t>
+            </a:r>
+            <a:r>
+              <a:rPr lang="rm-CH" dirty="0" err="1"/>
+              <a:t>producatori</a:t>
+            </a:r>
+            <a:r>
+              <a:rPr lang="rm-CH" dirty="0"/>
+              <a:t>.</a:t>
+            </a:r>
+          </a:p>
+          <a:p>
+            <a:r>
+              <a:rPr lang="rm-CH" dirty="0"/>
+              <a:t>In principal </a:t>
+            </a:r>
+            <a:r>
+              <a:rPr lang="rm-CH" dirty="0" err="1"/>
+              <a:t>acest</a:t>
+            </a:r>
+            <a:r>
+              <a:rPr lang="rm-CH" dirty="0"/>
+              <a:t> sistem </a:t>
+            </a:r>
+            <a:r>
+              <a:rPr lang="rm-CH" dirty="0" err="1"/>
+              <a:t>este</a:t>
+            </a:r>
+            <a:r>
+              <a:rPr lang="rm-CH" dirty="0"/>
               <a:t> </a:t>
             </a:r>
             <a:r>
-              <a:rPr lang="en-US" dirty="0" err="1"/>
-              <a:t>multor</a:t>
-            </a:r>
-            <a:r>
-              <a:rPr lang="en-US" dirty="0"/>
+              <a:rPr lang="rm-CH" dirty="0" err="1"/>
+              <a:t>utilizat</a:t>
+            </a:r>
+            <a:r>
+              <a:rPr lang="rm-CH" dirty="0"/>
               <a:t> </a:t>
             </a:r>
             <a:r>
-              <a:rPr lang="en-US" dirty="0" err="1"/>
-              <a:t>periferice</a:t>
-            </a:r>
-            <a:r>
-              <a:rPr lang="en-US" dirty="0"/>
-              <a:t>, care pot </a:t>
-            </a:r>
-            <a:r>
-              <a:rPr lang="en-US" dirty="0" err="1"/>
-              <a:t>proveni</a:t>
-            </a:r>
-            <a:r>
-              <a:rPr lang="en-US" dirty="0"/>
-              <a:t> de la </a:t>
-            </a:r>
-            <a:r>
-              <a:rPr lang="en-US" dirty="0" err="1"/>
-              <a:t>mai</a:t>
-            </a:r>
-            <a:r>
-              <a:rPr lang="en-US" dirty="0"/>
-              <a:t> multi </a:t>
-            </a:r>
-            <a:r>
-              <a:rPr lang="en-US" dirty="0" err="1"/>
-              <a:t>producatori</a:t>
-            </a:r>
-            <a:r>
-              <a:rPr lang="en-US" dirty="0"/>
-              <a:t>.</a:t>
-            </a:r>
-          </a:p>
-          <a:p>
-            <a:r>
-              <a:rPr lang="en-US" dirty="0"/>
-              <a:t>In principal </a:t>
-            </a:r>
-            <a:r>
-              <a:rPr lang="en-US" dirty="0" err="1"/>
-              <a:t>acest</a:t>
-            </a:r>
-            <a:r>
-              <a:rPr lang="en-US" dirty="0"/>
+              <a:rPr lang="rm-CH" dirty="0" err="1"/>
+              <a:t>pentru</a:t>
+            </a:r>
+            <a:r>
+              <a:rPr lang="rm-CH" dirty="0"/>
               <a:t> </a:t>
             </a:r>
             <a:r>
-              <a:rPr lang="en-US" dirty="0" err="1"/>
-              <a:t>sistem</a:t>
-            </a:r>
-            <a:r>
-              <a:rPr lang="en-US" dirty="0"/>
+              <a:rPr lang="rm-CH" dirty="0" err="1"/>
+              <a:t>supraveghere</a:t>
+            </a:r>
+            <a:r>
+              <a:rPr lang="rm-CH" dirty="0"/>
+              <a:t> video si </a:t>
+            </a:r>
+            <a:r>
+              <a:rPr lang="rm-CH" dirty="0" err="1"/>
+              <a:t>arhivarea</a:t>
+            </a:r>
+            <a:r>
+              <a:rPr lang="rm-CH" dirty="0"/>
               <a:t> </a:t>
             </a:r>
             <a:r>
-              <a:rPr lang="en-US" dirty="0" err="1"/>
-              <a:t>este</a:t>
-            </a:r>
-            <a:r>
-              <a:rPr lang="en-US" dirty="0"/>
+              <a:rPr lang="rm-CH" dirty="0" err="1"/>
+              <a:t>datelor</a:t>
+            </a:r>
+            <a:r>
+              <a:rPr lang="rm-CH" dirty="0"/>
               <a:t> </a:t>
             </a:r>
             <a:r>
-              <a:rPr lang="en-US" dirty="0" err="1"/>
-              <a:t>utilizat</a:t>
-            </a:r>
-            <a:r>
-              <a:rPr lang="en-US" dirty="0"/>
-              <a:t> pent </a:t>
-            </a:r>
-            <a:r>
-              <a:rPr lang="en-US" dirty="0" err="1"/>
-              <a:t>supraveghere</a:t>
-            </a:r>
-            <a:r>
-              <a:rPr lang="en-US" dirty="0"/>
-              <a:t> video </a:t>
-            </a:r>
-            <a:r>
-              <a:rPr lang="en-US" dirty="0" err="1"/>
-              <a:t>si</a:t>
-            </a:r>
-            <a:r>
-              <a:rPr lang="en-US" dirty="0"/>
+              <a:rPr lang="rm-CH" dirty="0" err="1"/>
+              <a:t>aferente</a:t>
+            </a:r>
+            <a:r>
+              <a:rPr lang="rm-CH" dirty="0"/>
               <a:t> </a:t>
             </a:r>
             <a:r>
-              <a:rPr lang="en-US" dirty="0" err="1"/>
-              <a:t>arhivare</a:t>
-            </a:r>
-            <a:r>
-              <a:rPr lang="en-US" dirty="0"/>
-              <a:t> a </a:t>
-            </a:r>
-            <a:r>
-              <a:rPr lang="en-US" dirty="0" err="1"/>
-              <a:t>datelor</a:t>
-            </a:r>
-            <a:r>
-              <a:rPr lang="en-US" dirty="0"/>
+              <a:rPr lang="rm-CH" dirty="0" err="1"/>
+              <a:t>conform</a:t>
+            </a:r>
+            <a:r>
+              <a:rPr lang="rm-CH" dirty="0"/>
               <a:t> </a:t>
             </a:r>
             <a:r>
-              <a:rPr lang="en-US" dirty="0" err="1"/>
-              <a:t>aferente</a:t>
-            </a:r>
-            <a:r>
-              <a:rPr lang="en-US" dirty="0"/>
-              <a:t> conform </a:t>
-            </a:r>
-            <a:r>
-              <a:rPr lang="en-US" dirty="0" err="1"/>
+              <a:rPr lang="rm-CH" dirty="0" err="1"/>
               <a:t>standardelor</a:t>
             </a:r>
             <a:r>
-              <a:rPr lang="en-US" dirty="0"/>
+              <a:rPr lang="rm-CH" dirty="0"/>
               <a:t> in </a:t>
             </a:r>
             <a:r>
-              <a:rPr lang="en-US" dirty="0" err="1"/>
+              <a:rPr lang="rm-CH" dirty="0" err="1"/>
               <a:t>vigoare</a:t>
             </a:r>
             <a:r>
-              <a:rPr lang="en-US" dirty="0"/>
-              <a:t>. </a:t>
+              <a:rPr lang="rm-CH" dirty="0"/>
+              <a:t> ( </a:t>
+            </a:r>
+            <a:r>
+              <a:rPr lang="rm-CH" dirty="0" err="1"/>
+              <a:t>astfel</a:t>
+            </a:r>
+            <a:r>
+              <a:rPr lang="rm-CH" dirty="0"/>
+              <a:t> </a:t>
+            </a:r>
+            <a:r>
+              <a:rPr lang="rm-CH" dirty="0" err="1"/>
+              <a:t>incat</a:t>
+            </a:r>
+            <a:r>
+              <a:rPr lang="rm-CH" dirty="0"/>
+              <a:t> sa </a:t>
+            </a:r>
+            <a:r>
+              <a:rPr lang="rm-CH" dirty="0" err="1"/>
+              <a:t>fie</a:t>
+            </a:r>
+            <a:r>
+              <a:rPr lang="rm-CH" dirty="0"/>
+              <a:t> </a:t>
+            </a:r>
+            <a:r>
+              <a:rPr lang="rm-CH" dirty="0" err="1"/>
+              <a:t>acceptate</a:t>
+            </a:r>
+            <a:r>
+              <a:rPr lang="rm-CH" dirty="0"/>
+              <a:t> </a:t>
+            </a:r>
+            <a:r>
+              <a:rPr lang="rm-CH" dirty="0" err="1"/>
+              <a:t>drept</a:t>
+            </a:r>
+            <a:r>
+              <a:rPr lang="rm-CH" dirty="0"/>
+              <a:t> </a:t>
+            </a:r>
+            <a:r>
+              <a:rPr lang="rm-CH" dirty="0" err="1"/>
+              <a:t>proba</a:t>
+            </a:r>
+            <a:r>
+              <a:rPr lang="rm-CH" dirty="0"/>
+              <a:t> in </a:t>
+            </a:r>
+            <a:r>
+              <a:rPr lang="rm-CH" dirty="0" err="1"/>
+              <a:t>caz</a:t>
+            </a:r>
+            <a:r>
+              <a:rPr lang="rm-CH" dirty="0"/>
+              <a:t> de process). </a:t>
             </a:r>
           </a:p>
         </p:txBody>
@@ -6567,7 +6631,15 @@
             </a:r>
             <a:r>
               <a:rPr lang="en-US" dirty="0"/>
-              <a:t> mare de camera </a:t>
+              <a:t> mare de </a:t>
+            </a:r>
+            <a:r>
+              <a:rPr lang="en-US" dirty="0" err="1"/>
+              <a:t>camere</a:t>
+            </a:r>
+            <a:r>
+              <a:rPr lang="en-US" dirty="0"/>
+              <a:t> </a:t>
             </a:r>
             <a:r>
               <a:rPr lang="en-US" dirty="0" err="1"/>
@@ -6678,7 +6750,7 @@
             </a:r>
             <a:r>
               <a:rPr lang="en-US" dirty="0" err="1"/>
-              <a:t>tipiri</a:t>
+              <a:t>tipuri</a:t>
             </a:r>
             <a:r>
               <a:rPr lang="en-US" dirty="0"/>
@@ -6762,7 +6834,15 @@
             </a:r>
             <a:r>
               <a:rPr lang="en-US" dirty="0"/>
-              <a:t> is camera IR is 360.</a:t>
+              <a:t> </a:t>
+            </a:r>
+            <a:r>
+              <a:rPr lang="en-US" dirty="0" err="1"/>
+              <a:t>si</a:t>
+            </a:r>
+            <a:r>
+              <a:rPr lang="en-US" dirty="0"/>
+              <a:t> camera IR is 360.</a:t>
             </a:r>
           </a:p>
         </p:txBody>
@@ -6940,7 +7020,7 @@
             </a:r>
             <a:r>
               <a:rPr lang="en-US" dirty="0" err="1"/>
-              <a:t>intermediaul</a:t>
+              <a:t>intermediul</a:t>
             </a:r>
             <a:r>
               <a:rPr lang="en-US" dirty="0"/>
@@ -6976,15 +7056,7 @@
             </a:r>
             <a:r>
               <a:rPr lang="en-US" dirty="0"/>
-              <a:t>  de pe dispositive </a:t>
-            </a:r>
-            <a:r>
-              <a:rPr lang="en-US" dirty="0" err="1"/>
-              <a:t>mbile</a:t>
-            </a:r>
-            <a:r>
-              <a:rPr lang="en-US" dirty="0"/>
-              <a:t> cum </a:t>
+              <a:t>  de pe dispositive mobile cum </a:t>
             </a:r>
             <a:r>
               <a:rPr lang="en-US" dirty="0" err="1"/>
@@ -8108,7 +8180,23 @@
                 <a:ea typeface="+mj-ea"/>
                 <a:cs typeface="+mj-cs"/>
               </a:rPr>
-              <a:t> un system de </a:t>
+              <a:t> un </a:t>
+            </a:r>
+            <a:r>
+              <a:rPr lang="en-US" dirty="0" err="1">
+                <a:latin typeface="+mj-lt"/>
+                <a:ea typeface="+mj-ea"/>
+                <a:cs typeface="+mj-cs"/>
+              </a:rPr>
+              <a:t>sistem</a:t>
+            </a:r>
+            <a:r>
+              <a:rPr lang="en-US" dirty="0">
+                <a:latin typeface="+mj-lt"/>
+                <a:ea typeface="+mj-ea"/>
+                <a:cs typeface="+mj-cs"/>
+              </a:rPr>
+              <a:t> de </a:t>
             </a:r>
             <a:r>
               <a:rPr lang="en-US" dirty="0" err="1">

--- a/prezentare XPROTECT.pptx
+++ b/prezentare XPROTECT.pptx
@@ -304,7 +304,7 @@
           <a:p>
             <a:fld id="{CEC54D0F-B575-48AE-890D-3D0DEECA2063}" type="datetimeFigureOut">
               <a:rPr lang="en-US" smtClean="0"/>
-              <a:t>25-Jan-22</a:t>
+              <a:t>31-Jan-22</a:t>
             </a:fld>
             <a:endParaRPr lang="en-US"/>
           </a:p>
@@ -579,7 +579,7 @@
           <a:p>
             <a:fld id="{CEC54D0F-B575-48AE-890D-3D0DEECA2063}" type="datetimeFigureOut">
               <a:rPr lang="en-US" smtClean="0"/>
-              <a:t>25-Jan-22</a:t>
+              <a:t>31-Jan-22</a:t>
             </a:fld>
             <a:endParaRPr lang="en-US"/>
           </a:p>
@@ -773,7 +773,7 @@
           <a:p>
             <a:fld id="{CEC54D0F-B575-48AE-890D-3D0DEECA2063}" type="datetimeFigureOut">
               <a:rPr lang="en-US" smtClean="0"/>
-              <a:t>25-Jan-22</a:t>
+              <a:t>31-Jan-22</a:t>
             </a:fld>
             <a:endParaRPr lang="en-US"/>
           </a:p>
@@ -1046,7 +1046,7 @@
           <a:p>
             <a:fld id="{CEC54D0F-B575-48AE-890D-3D0DEECA2063}" type="datetimeFigureOut">
               <a:rPr lang="en-US" smtClean="0"/>
-              <a:t>25-Jan-22</a:t>
+              <a:t>31-Jan-22</a:t>
             </a:fld>
             <a:endParaRPr lang="en-US"/>
           </a:p>
@@ -1387,7 +1387,7 @@
           <a:p>
             <a:fld id="{CEC54D0F-B575-48AE-890D-3D0DEECA2063}" type="datetimeFigureOut">
               <a:rPr lang="en-US" smtClean="0"/>
-              <a:t>25-Jan-22</a:t>
+              <a:t>31-Jan-22</a:t>
             </a:fld>
             <a:endParaRPr lang="en-US"/>
           </a:p>
@@ -2010,7 +2010,7 @@
           <a:p>
             <a:fld id="{CEC54D0F-B575-48AE-890D-3D0DEECA2063}" type="datetimeFigureOut">
               <a:rPr lang="en-US" smtClean="0"/>
-              <a:t>25-Jan-22</a:t>
+              <a:t>31-Jan-22</a:t>
             </a:fld>
             <a:endParaRPr lang="en-US"/>
           </a:p>
@@ -2870,7 +2870,7 @@
           <a:p>
             <a:fld id="{CEC54D0F-B575-48AE-890D-3D0DEECA2063}" type="datetimeFigureOut">
               <a:rPr lang="en-US" smtClean="0"/>
-              <a:t>25-Jan-22</a:t>
+              <a:t>31-Jan-22</a:t>
             </a:fld>
             <a:endParaRPr lang="en-US"/>
           </a:p>
@@ -3040,7 +3040,7 @@
           <a:p>
             <a:fld id="{CEC54D0F-B575-48AE-890D-3D0DEECA2063}" type="datetimeFigureOut">
               <a:rPr lang="en-US" smtClean="0"/>
-              <a:t>25-Jan-22</a:t>
+              <a:t>31-Jan-22</a:t>
             </a:fld>
             <a:endParaRPr lang="en-US"/>
           </a:p>
@@ -3220,7 +3220,7 @@
           <a:p>
             <a:fld id="{CEC54D0F-B575-48AE-890D-3D0DEECA2063}" type="datetimeFigureOut">
               <a:rPr lang="en-US" smtClean="0"/>
-              <a:t>25-Jan-22</a:t>
+              <a:t>31-Jan-22</a:t>
             </a:fld>
             <a:endParaRPr lang="en-US"/>
           </a:p>
@@ -3390,7 +3390,7 @@
           <a:p>
             <a:fld id="{CEC54D0F-B575-48AE-890D-3D0DEECA2063}" type="datetimeFigureOut">
               <a:rPr lang="en-US" smtClean="0"/>
-              <a:t>25-Jan-22</a:t>
+              <a:t>31-Jan-22</a:t>
             </a:fld>
             <a:endParaRPr lang="en-US"/>
           </a:p>
@@ -3637,7 +3637,7 @@
           <a:p>
             <a:fld id="{CEC54D0F-B575-48AE-890D-3D0DEECA2063}" type="datetimeFigureOut">
               <a:rPr lang="en-US" smtClean="0"/>
-              <a:t>25-Jan-22</a:t>
+              <a:t>31-Jan-22</a:t>
             </a:fld>
             <a:endParaRPr lang="en-US"/>
           </a:p>
@@ -3929,7 +3929,7 @@
           <a:p>
             <a:fld id="{CEC54D0F-B575-48AE-890D-3D0DEECA2063}" type="datetimeFigureOut">
               <a:rPr lang="en-US" smtClean="0"/>
-              <a:t>25-Jan-22</a:t>
+              <a:t>31-Jan-22</a:t>
             </a:fld>
             <a:endParaRPr lang="en-US"/>
           </a:p>
@@ -4373,7 +4373,7 @@
           <a:p>
             <a:fld id="{CEC54D0F-B575-48AE-890D-3D0DEECA2063}" type="datetimeFigureOut">
               <a:rPr lang="en-US" smtClean="0"/>
-              <a:t>25-Jan-22</a:t>
+              <a:t>31-Jan-22</a:t>
             </a:fld>
             <a:endParaRPr lang="en-US"/>
           </a:p>
@@ -4491,7 +4491,7 @@
           <a:p>
             <a:fld id="{CEC54D0F-B575-48AE-890D-3D0DEECA2063}" type="datetimeFigureOut">
               <a:rPr lang="en-US" smtClean="0"/>
-              <a:t>25-Jan-22</a:t>
+              <a:t>31-Jan-22</a:t>
             </a:fld>
             <a:endParaRPr lang="en-US"/>
           </a:p>
@@ -4586,7 +4586,7 @@
           <a:p>
             <a:fld id="{CEC54D0F-B575-48AE-890D-3D0DEECA2063}" type="datetimeFigureOut">
               <a:rPr lang="en-US" smtClean="0"/>
-              <a:t>25-Jan-22</a:t>
+              <a:t>31-Jan-22</a:t>
             </a:fld>
             <a:endParaRPr lang="en-US"/>
           </a:p>
@@ -4865,7 +4865,7 @@
           <a:p>
             <a:fld id="{CEC54D0F-B575-48AE-890D-3D0DEECA2063}" type="datetimeFigureOut">
               <a:rPr lang="en-US" smtClean="0"/>
-              <a:t>25-Jan-22</a:t>
+              <a:t>31-Jan-22</a:t>
             </a:fld>
             <a:endParaRPr lang="en-US"/>
           </a:p>
@@ -5140,7 +5140,7 @@
           <a:p>
             <a:fld id="{CEC54D0F-B575-48AE-890D-3D0DEECA2063}" type="datetimeFigureOut">
               <a:rPr lang="en-US" smtClean="0"/>
-              <a:t>25-Jan-22</a:t>
+              <a:t>31-Jan-22</a:t>
             </a:fld>
             <a:endParaRPr lang="en-US"/>
           </a:p>
@@ -5569,7 +5569,7 @@
           <a:p>
             <a:fld id="{CEC54D0F-B575-48AE-890D-3D0DEECA2063}" type="datetimeFigureOut">
               <a:rPr lang="en-US" smtClean="0"/>
-              <a:t>25-Jan-22</a:t>
+              <a:t>31-Jan-22</a:t>
             </a:fld>
             <a:endParaRPr lang="en-US"/>
           </a:p>
